--- a/13-data_structure/00-data_structure.pptx
+++ b/13-data_structure/00-data_structure.pptx
@@ -280,7 +280,7 @@
           <a:p>
             <a:fld id="{3C22E3A1-C276-43FD-A0AD-E3E3A7519323}" type="datetimeFigureOut">
               <a:rPr lang="zh-TW" altLang="en-US" smtClean="0"/>
-              <a:t>2021/12/20</a:t>
+              <a:t>2021/12/28</a:t>
             </a:fld>
             <a:endParaRPr lang="zh-TW" altLang="en-US"/>
           </a:p>
@@ -478,7 +478,7 @@
           <a:p>
             <a:fld id="{3C22E3A1-C276-43FD-A0AD-E3E3A7519323}" type="datetimeFigureOut">
               <a:rPr lang="zh-TW" altLang="en-US" smtClean="0"/>
-              <a:t>2021/12/20</a:t>
+              <a:t>2021/12/28</a:t>
             </a:fld>
             <a:endParaRPr lang="zh-TW" altLang="en-US"/>
           </a:p>
@@ -686,7 +686,7 @@
           <a:p>
             <a:fld id="{3C22E3A1-C276-43FD-A0AD-E3E3A7519323}" type="datetimeFigureOut">
               <a:rPr lang="zh-TW" altLang="en-US" smtClean="0"/>
-              <a:t>2021/12/20</a:t>
+              <a:t>2021/12/28</a:t>
             </a:fld>
             <a:endParaRPr lang="zh-TW" altLang="en-US"/>
           </a:p>
@@ -884,7 +884,7 @@
           <a:p>
             <a:fld id="{3C22E3A1-C276-43FD-A0AD-E3E3A7519323}" type="datetimeFigureOut">
               <a:rPr lang="zh-TW" altLang="en-US" smtClean="0"/>
-              <a:t>2021/12/20</a:t>
+              <a:t>2021/12/28</a:t>
             </a:fld>
             <a:endParaRPr lang="zh-TW" altLang="en-US"/>
           </a:p>
@@ -1159,7 +1159,7 @@
           <a:p>
             <a:fld id="{3C22E3A1-C276-43FD-A0AD-E3E3A7519323}" type="datetimeFigureOut">
               <a:rPr lang="zh-TW" altLang="en-US" smtClean="0"/>
-              <a:t>2021/12/20</a:t>
+              <a:t>2021/12/28</a:t>
             </a:fld>
             <a:endParaRPr lang="zh-TW" altLang="en-US"/>
           </a:p>
@@ -1424,7 +1424,7 @@
           <a:p>
             <a:fld id="{3C22E3A1-C276-43FD-A0AD-E3E3A7519323}" type="datetimeFigureOut">
               <a:rPr lang="zh-TW" altLang="en-US" smtClean="0"/>
-              <a:t>2021/12/20</a:t>
+              <a:t>2021/12/28</a:t>
             </a:fld>
             <a:endParaRPr lang="zh-TW" altLang="en-US"/>
           </a:p>
@@ -1836,7 +1836,7 @@
           <a:p>
             <a:fld id="{3C22E3A1-C276-43FD-A0AD-E3E3A7519323}" type="datetimeFigureOut">
               <a:rPr lang="zh-TW" altLang="en-US" smtClean="0"/>
-              <a:t>2021/12/20</a:t>
+              <a:t>2021/12/28</a:t>
             </a:fld>
             <a:endParaRPr lang="zh-TW" altLang="en-US"/>
           </a:p>
@@ -1977,7 +1977,7 @@
           <a:p>
             <a:fld id="{3C22E3A1-C276-43FD-A0AD-E3E3A7519323}" type="datetimeFigureOut">
               <a:rPr lang="zh-TW" altLang="en-US" smtClean="0"/>
-              <a:t>2021/12/20</a:t>
+              <a:t>2021/12/28</a:t>
             </a:fld>
             <a:endParaRPr lang="zh-TW" altLang="en-US"/>
           </a:p>
@@ -2090,7 +2090,7 @@
           <a:p>
             <a:fld id="{3C22E3A1-C276-43FD-A0AD-E3E3A7519323}" type="datetimeFigureOut">
               <a:rPr lang="zh-TW" altLang="en-US" smtClean="0"/>
-              <a:t>2021/12/20</a:t>
+              <a:t>2021/12/28</a:t>
             </a:fld>
             <a:endParaRPr lang="zh-TW" altLang="en-US"/>
           </a:p>
@@ -2401,7 +2401,7 @@
           <a:p>
             <a:fld id="{3C22E3A1-C276-43FD-A0AD-E3E3A7519323}" type="datetimeFigureOut">
               <a:rPr lang="zh-TW" altLang="en-US" smtClean="0"/>
-              <a:t>2021/12/20</a:t>
+              <a:t>2021/12/28</a:t>
             </a:fld>
             <a:endParaRPr lang="zh-TW" altLang="en-US"/>
           </a:p>
@@ -2689,7 +2689,7 @@
           <a:p>
             <a:fld id="{3C22E3A1-C276-43FD-A0AD-E3E3A7519323}" type="datetimeFigureOut">
               <a:rPr lang="zh-TW" altLang="en-US" smtClean="0"/>
-              <a:t>2021/12/20</a:t>
+              <a:t>2021/12/28</a:t>
             </a:fld>
             <a:endParaRPr lang="zh-TW" altLang="en-US"/>
           </a:p>
@@ -2930,7 +2930,7 @@
           <a:p>
             <a:fld id="{3C22E3A1-C276-43FD-A0AD-E3E3A7519323}" type="datetimeFigureOut">
               <a:rPr lang="zh-TW" altLang="en-US" smtClean="0"/>
-              <a:t>2021/12/20</a:t>
+              <a:t>2021/12/28</a:t>
             </a:fld>
             <a:endParaRPr lang="zh-TW" altLang="en-US"/>
           </a:p>
@@ -4702,6 +4702,1129 @@
           </a:p>
         </p:txBody>
       </p:sp>
+      <p:sp>
+        <p:nvSpPr>
+          <p:cNvPr id="6" name="TextBox 5">
+            <a:extLst>
+              <a:ext uri="{FF2B5EF4-FFF2-40B4-BE49-F238E27FC236}">
+                <a16:creationId xmlns:a16="http://schemas.microsoft.com/office/drawing/2014/main" id="{C87680DE-DAF0-47FA-914B-9D6AA6485901}"/>
+              </a:ext>
+            </a:extLst>
+          </p:cNvPr>
+          <p:cNvSpPr txBox="1"/>
+          <p:nvPr/>
+        </p:nvSpPr>
+        <p:spPr>
+          <a:xfrm>
+            <a:off x="838200" y="2795349"/>
+            <a:ext cx="6563882" cy="3693319"/>
+          </a:xfrm>
+          <a:prstGeom prst="rect">
+            <a:avLst/>
+          </a:prstGeom>
+          <a:noFill/>
+        </p:spPr>
+        <p:txBody>
+          <a:bodyPr wrap="square">
+            <a:spAutoFit/>
+          </a:bodyPr>
+          <a:lstStyle/>
+          <a:p>
+            <a:r>
+              <a:rPr lang="en-US" altLang="zh-TW" b="0" dirty="0">
+                <a:solidFill>
+                  <a:srgbClr val="AF00DB"/>
+                </a:solidFill>
+                <a:effectLst/>
+                <a:latin typeface="Consolas" panose="020B0609020204030204" pitchFamily="49" charset="0"/>
+              </a:rPr>
+              <a:t>#include</a:t>
+            </a:r>
+            <a:r>
+              <a:rPr lang="en-US" altLang="zh-TW" b="0" dirty="0">
+                <a:solidFill>
+                  <a:srgbClr val="0000FF"/>
+                </a:solidFill>
+                <a:effectLst/>
+                <a:latin typeface="Consolas" panose="020B0609020204030204" pitchFamily="49" charset="0"/>
+              </a:rPr>
+              <a:t> </a:t>
+            </a:r>
+            <a:r>
+              <a:rPr lang="en-US" altLang="zh-TW" b="0" dirty="0">
+                <a:solidFill>
+                  <a:srgbClr val="A31515"/>
+                </a:solidFill>
+                <a:effectLst/>
+                <a:latin typeface="Consolas" panose="020B0609020204030204" pitchFamily="49" charset="0"/>
+              </a:rPr>
+              <a:t>&lt;iostream&gt;</a:t>
+            </a:r>
+            <a:endParaRPr lang="en-US" altLang="zh-TW" b="0" dirty="0">
+              <a:solidFill>
+                <a:srgbClr val="000000"/>
+              </a:solidFill>
+              <a:effectLst/>
+              <a:latin typeface="Consolas" panose="020B0609020204030204" pitchFamily="49" charset="0"/>
+            </a:endParaRPr>
+          </a:p>
+          <a:p>
+            <a:r>
+              <a:rPr lang="en-US" altLang="zh-TW" b="0" dirty="0">
+                <a:solidFill>
+                  <a:srgbClr val="AF00DB"/>
+                </a:solidFill>
+                <a:effectLst/>
+                <a:latin typeface="Consolas" panose="020B0609020204030204" pitchFamily="49" charset="0"/>
+              </a:rPr>
+              <a:t>#include</a:t>
+            </a:r>
+            <a:r>
+              <a:rPr lang="en-US" altLang="zh-TW" b="0" dirty="0">
+                <a:solidFill>
+                  <a:srgbClr val="0000FF"/>
+                </a:solidFill>
+                <a:effectLst/>
+                <a:latin typeface="Consolas" panose="020B0609020204030204" pitchFamily="49" charset="0"/>
+              </a:rPr>
+              <a:t> </a:t>
+            </a:r>
+            <a:r>
+              <a:rPr lang="en-US" altLang="zh-TW" b="0" dirty="0">
+                <a:solidFill>
+                  <a:srgbClr val="A31515"/>
+                </a:solidFill>
+                <a:effectLst/>
+                <a:latin typeface="Consolas" panose="020B0609020204030204" pitchFamily="49" charset="0"/>
+              </a:rPr>
+              <a:t>&lt;queue&gt;</a:t>
+            </a:r>
+            <a:br>
+              <a:rPr lang="en-US" altLang="zh-TW" b="0" dirty="0">
+                <a:solidFill>
+                  <a:srgbClr val="000000"/>
+                </a:solidFill>
+                <a:effectLst/>
+                <a:latin typeface="Consolas" panose="020B0609020204030204" pitchFamily="49" charset="0"/>
+              </a:rPr>
+            </a:br>
+            <a:r>
+              <a:rPr lang="en-US" altLang="zh-TW" b="0" dirty="0">
+                <a:solidFill>
+                  <a:srgbClr val="0000FF"/>
+                </a:solidFill>
+                <a:effectLst/>
+                <a:latin typeface="Consolas" panose="020B0609020204030204" pitchFamily="49" charset="0"/>
+              </a:rPr>
+              <a:t>int</a:t>
+            </a:r>
+            <a:r>
+              <a:rPr lang="en-US" altLang="zh-TW" b="0" dirty="0">
+                <a:solidFill>
+                  <a:srgbClr val="000000"/>
+                </a:solidFill>
+                <a:effectLst/>
+                <a:latin typeface="Consolas" panose="020B0609020204030204" pitchFamily="49" charset="0"/>
+              </a:rPr>
+              <a:t> </a:t>
+            </a:r>
+            <a:r>
+              <a:rPr lang="en-US" altLang="zh-TW" b="0" dirty="0">
+                <a:solidFill>
+                  <a:srgbClr val="795E26"/>
+                </a:solidFill>
+                <a:effectLst/>
+                <a:latin typeface="Consolas" panose="020B0609020204030204" pitchFamily="49" charset="0"/>
+              </a:rPr>
+              <a:t>main</a:t>
+            </a:r>
+            <a:r>
+              <a:rPr lang="en-US" altLang="zh-TW" b="0" dirty="0">
+                <a:solidFill>
+                  <a:srgbClr val="000000"/>
+                </a:solidFill>
+                <a:effectLst/>
+                <a:latin typeface="Consolas" panose="020B0609020204030204" pitchFamily="49" charset="0"/>
+              </a:rPr>
+              <a:t>()</a:t>
+            </a:r>
+          </a:p>
+          <a:p>
+            <a:r>
+              <a:rPr lang="en-US" altLang="zh-TW" b="0" dirty="0">
+                <a:solidFill>
+                  <a:srgbClr val="000000"/>
+                </a:solidFill>
+                <a:effectLst/>
+                <a:latin typeface="Consolas" panose="020B0609020204030204" pitchFamily="49" charset="0"/>
+              </a:rPr>
+              <a:t>{</a:t>
+            </a:r>
+          </a:p>
+          <a:p>
+            <a:r>
+              <a:rPr lang="en-US" altLang="zh-TW" b="0" dirty="0">
+                <a:solidFill>
+                  <a:srgbClr val="000000"/>
+                </a:solidFill>
+                <a:effectLst/>
+                <a:latin typeface="Consolas" panose="020B0609020204030204" pitchFamily="49" charset="0"/>
+              </a:rPr>
+              <a:t>    </a:t>
+            </a:r>
+            <a:r>
+              <a:rPr lang="en-US" altLang="zh-TW" b="0" dirty="0">
+                <a:solidFill>
+                  <a:srgbClr val="267F99"/>
+                </a:solidFill>
+                <a:effectLst/>
+                <a:latin typeface="Consolas" panose="020B0609020204030204" pitchFamily="49" charset="0"/>
+              </a:rPr>
+              <a:t>std</a:t>
+            </a:r>
+            <a:r>
+              <a:rPr lang="en-US" altLang="zh-TW" b="0" dirty="0">
+                <a:solidFill>
+                  <a:srgbClr val="000000"/>
+                </a:solidFill>
+                <a:effectLst/>
+                <a:latin typeface="Consolas" panose="020B0609020204030204" pitchFamily="49" charset="0"/>
+              </a:rPr>
+              <a:t>::</a:t>
+            </a:r>
+            <a:r>
+              <a:rPr lang="en-US" altLang="zh-TW" b="0" dirty="0">
+                <a:solidFill>
+                  <a:srgbClr val="267F99"/>
+                </a:solidFill>
+                <a:effectLst/>
+                <a:latin typeface="Consolas" panose="020B0609020204030204" pitchFamily="49" charset="0"/>
+              </a:rPr>
+              <a:t>queue</a:t>
+            </a:r>
+            <a:r>
+              <a:rPr lang="en-US" altLang="zh-TW" b="0" dirty="0">
+                <a:solidFill>
+                  <a:srgbClr val="000000"/>
+                </a:solidFill>
+                <a:effectLst/>
+                <a:latin typeface="Consolas" panose="020B0609020204030204" pitchFamily="49" charset="0"/>
+              </a:rPr>
+              <a:t>&lt;</a:t>
+            </a:r>
+            <a:r>
+              <a:rPr lang="en-US" altLang="zh-TW" b="0" dirty="0">
+                <a:solidFill>
+                  <a:srgbClr val="0000FF"/>
+                </a:solidFill>
+                <a:effectLst/>
+                <a:latin typeface="Consolas" panose="020B0609020204030204" pitchFamily="49" charset="0"/>
+              </a:rPr>
+              <a:t>int</a:t>
+            </a:r>
+            <a:r>
+              <a:rPr lang="en-US" altLang="zh-TW" b="0" dirty="0">
+                <a:solidFill>
+                  <a:srgbClr val="000000"/>
+                </a:solidFill>
+                <a:effectLst/>
+                <a:latin typeface="Consolas" panose="020B0609020204030204" pitchFamily="49" charset="0"/>
+              </a:rPr>
+              <a:t>&gt; </a:t>
+            </a:r>
+            <a:r>
+              <a:rPr lang="en-US" altLang="zh-TW" b="0" dirty="0">
+                <a:solidFill>
+                  <a:srgbClr val="001080"/>
+                </a:solidFill>
+                <a:effectLst/>
+                <a:latin typeface="Consolas" panose="020B0609020204030204" pitchFamily="49" charset="0"/>
+              </a:rPr>
+              <a:t>q</a:t>
+            </a:r>
+            <a:r>
+              <a:rPr lang="en-US" altLang="zh-TW" b="0" dirty="0">
+                <a:solidFill>
+                  <a:srgbClr val="000000"/>
+                </a:solidFill>
+                <a:effectLst/>
+                <a:latin typeface="Consolas" panose="020B0609020204030204" pitchFamily="49" charset="0"/>
+              </a:rPr>
+              <a:t>;</a:t>
+            </a:r>
+            <a:br>
+              <a:rPr lang="en-US" altLang="zh-TW" b="0" dirty="0">
+                <a:solidFill>
+                  <a:srgbClr val="000000"/>
+                </a:solidFill>
+                <a:effectLst/>
+                <a:latin typeface="Consolas" panose="020B0609020204030204" pitchFamily="49" charset="0"/>
+              </a:rPr>
+            </a:br>
+            <a:r>
+              <a:rPr lang="en-US" altLang="zh-TW" b="0" dirty="0">
+                <a:solidFill>
+                  <a:srgbClr val="000000"/>
+                </a:solidFill>
+                <a:effectLst/>
+                <a:latin typeface="Consolas" panose="020B0609020204030204" pitchFamily="49" charset="0"/>
+              </a:rPr>
+              <a:t>    </a:t>
+            </a:r>
+            <a:r>
+              <a:rPr lang="en-US" altLang="zh-TW" b="0" dirty="0" err="1">
+                <a:solidFill>
+                  <a:srgbClr val="001080"/>
+                </a:solidFill>
+                <a:effectLst/>
+                <a:latin typeface="Consolas" panose="020B0609020204030204" pitchFamily="49" charset="0"/>
+              </a:rPr>
+              <a:t>q</a:t>
+            </a:r>
+            <a:r>
+              <a:rPr lang="en-US" altLang="zh-TW" b="0" dirty="0" err="1">
+                <a:solidFill>
+                  <a:srgbClr val="000000"/>
+                </a:solidFill>
+                <a:effectLst/>
+                <a:latin typeface="Consolas" panose="020B0609020204030204" pitchFamily="49" charset="0"/>
+              </a:rPr>
+              <a:t>.</a:t>
+            </a:r>
+            <a:r>
+              <a:rPr lang="en-US" altLang="zh-TW" b="0" dirty="0" err="1">
+                <a:solidFill>
+                  <a:srgbClr val="795E26"/>
+                </a:solidFill>
+                <a:effectLst/>
+                <a:latin typeface="Consolas" panose="020B0609020204030204" pitchFamily="49" charset="0"/>
+              </a:rPr>
+              <a:t>push</a:t>
+            </a:r>
+            <a:r>
+              <a:rPr lang="en-US" altLang="zh-TW" b="0" dirty="0">
+                <a:solidFill>
+                  <a:srgbClr val="000000"/>
+                </a:solidFill>
+                <a:effectLst/>
+                <a:latin typeface="Consolas" panose="020B0609020204030204" pitchFamily="49" charset="0"/>
+              </a:rPr>
+              <a:t>(</a:t>
+            </a:r>
+            <a:r>
+              <a:rPr lang="en-US" altLang="zh-TW" b="0" dirty="0">
+                <a:solidFill>
+                  <a:srgbClr val="098658"/>
+                </a:solidFill>
+                <a:effectLst/>
+                <a:latin typeface="Consolas" panose="020B0609020204030204" pitchFamily="49" charset="0"/>
+              </a:rPr>
+              <a:t>100</a:t>
+            </a:r>
+            <a:r>
+              <a:rPr lang="en-US" altLang="zh-TW" b="0" dirty="0">
+                <a:solidFill>
+                  <a:srgbClr val="000000"/>
+                </a:solidFill>
+                <a:effectLst/>
+                <a:latin typeface="Consolas" panose="020B0609020204030204" pitchFamily="49" charset="0"/>
+              </a:rPr>
+              <a:t>);</a:t>
+            </a:r>
+          </a:p>
+          <a:p>
+            <a:r>
+              <a:rPr lang="en-US" altLang="zh-TW" b="0" dirty="0">
+                <a:solidFill>
+                  <a:srgbClr val="000000"/>
+                </a:solidFill>
+                <a:effectLst/>
+                <a:latin typeface="Consolas" panose="020B0609020204030204" pitchFamily="49" charset="0"/>
+              </a:rPr>
+              <a:t>    </a:t>
+            </a:r>
+            <a:r>
+              <a:rPr lang="en-US" altLang="zh-TW" b="0" dirty="0" err="1">
+                <a:solidFill>
+                  <a:srgbClr val="001080"/>
+                </a:solidFill>
+                <a:effectLst/>
+                <a:latin typeface="Consolas" panose="020B0609020204030204" pitchFamily="49" charset="0"/>
+              </a:rPr>
+              <a:t>q</a:t>
+            </a:r>
+            <a:r>
+              <a:rPr lang="en-US" altLang="zh-TW" b="0" dirty="0" err="1">
+                <a:solidFill>
+                  <a:srgbClr val="000000"/>
+                </a:solidFill>
+                <a:effectLst/>
+                <a:latin typeface="Consolas" panose="020B0609020204030204" pitchFamily="49" charset="0"/>
+              </a:rPr>
+              <a:t>.</a:t>
+            </a:r>
+            <a:r>
+              <a:rPr lang="en-US" altLang="zh-TW" b="0" dirty="0" err="1">
+                <a:solidFill>
+                  <a:srgbClr val="795E26"/>
+                </a:solidFill>
+                <a:effectLst/>
+                <a:latin typeface="Consolas" panose="020B0609020204030204" pitchFamily="49" charset="0"/>
+              </a:rPr>
+              <a:t>push</a:t>
+            </a:r>
+            <a:r>
+              <a:rPr lang="en-US" altLang="zh-TW" b="0" dirty="0">
+                <a:solidFill>
+                  <a:srgbClr val="000000"/>
+                </a:solidFill>
+                <a:effectLst/>
+                <a:latin typeface="Consolas" panose="020B0609020204030204" pitchFamily="49" charset="0"/>
+              </a:rPr>
+              <a:t>(</a:t>
+            </a:r>
+            <a:r>
+              <a:rPr lang="en-US" altLang="zh-TW" b="0" dirty="0">
+                <a:solidFill>
+                  <a:srgbClr val="098658"/>
+                </a:solidFill>
+                <a:effectLst/>
+                <a:latin typeface="Consolas" panose="020B0609020204030204" pitchFamily="49" charset="0"/>
+              </a:rPr>
+              <a:t>200</a:t>
+            </a:r>
+            <a:r>
+              <a:rPr lang="en-US" altLang="zh-TW" b="0" dirty="0">
+                <a:solidFill>
+                  <a:srgbClr val="000000"/>
+                </a:solidFill>
+                <a:effectLst/>
+                <a:latin typeface="Consolas" panose="020B0609020204030204" pitchFamily="49" charset="0"/>
+              </a:rPr>
+              <a:t>);</a:t>
+            </a:r>
+          </a:p>
+          <a:p>
+            <a:r>
+              <a:rPr lang="en-US" altLang="zh-TW" b="0" dirty="0">
+                <a:solidFill>
+                  <a:srgbClr val="000000"/>
+                </a:solidFill>
+                <a:effectLst/>
+                <a:latin typeface="Consolas" panose="020B0609020204030204" pitchFamily="49" charset="0"/>
+              </a:rPr>
+              <a:t>    </a:t>
+            </a:r>
+            <a:r>
+              <a:rPr lang="en-US" altLang="zh-TW" b="0" dirty="0" err="1">
+                <a:solidFill>
+                  <a:srgbClr val="001080"/>
+                </a:solidFill>
+                <a:effectLst/>
+                <a:latin typeface="Consolas" panose="020B0609020204030204" pitchFamily="49" charset="0"/>
+              </a:rPr>
+              <a:t>q</a:t>
+            </a:r>
+            <a:r>
+              <a:rPr lang="en-US" altLang="zh-TW" b="0" dirty="0" err="1">
+                <a:solidFill>
+                  <a:srgbClr val="000000"/>
+                </a:solidFill>
+                <a:effectLst/>
+                <a:latin typeface="Consolas" panose="020B0609020204030204" pitchFamily="49" charset="0"/>
+              </a:rPr>
+              <a:t>.</a:t>
+            </a:r>
+            <a:r>
+              <a:rPr lang="en-US" altLang="zh-TW" b="0" dirty="0" err="1">
+                <a:solidFill>
+                  <a:srgbClr val="795E26"/>
+                </a:solidFill>
+                <a:effectLst/>
+                <a:latin typeface="Consolas" panose="020B0609020204030204" pitchFamily="49" charset="0"/>
+              </a:rPr>
+              <a:t>pop</a:t>
+            </a:r>
+            <a:r>
+              <a:rPr lang="en-US" altLang="zh-TW" b="0" dirty="0">
+                <a:solidFill>
+                  <a:srgbClr val="000000"/>
+                </a:solidFill>
+                <a:effectLst/>
+                <a:latin typeface="Consolas" panose="020B0609020204030204" pitchFamily="49" charset="0"/>
+              </a:rPr>
+              <a:t>();</a:t>
+            </a:r>
+          </a:p>
+          <a:p>
+            <a:r>
+              <a:rPr lang="en-US" altLang="zh-TW" b="0" dirty="0">
+                <a:solidFill>
+                  <a:srgbClr val="000000"/>
+                </a:solidFill>
+                <a:effectLst/>
+                <a:latin typeface="Consolas" panose="020B0609020204030204" pitchFamily="49" charset="0"/>
+              </a:rPr>
+              <a:t>    </a:t>
+            </a:r>
+            <a:r>
+              <a:rPr lang="en-US" altLang="zh-TW" b="0" dirty="0">
+                <a:solidFill>
+                  <a:srgbClr val="267F99"/>
+                </a:solidFill>
+                <a:effectLst/>
+                <a:latin typeface="Consolas" panose="020B0609020204030204" pitchFamily="49" charset="0"/>
+              </a:rPr>
+              <a:t>std</a:t>
+            </a:r>
+            <a:r>
+              <a:rPr lang="en-US" altLang="zh-TW" b="0" dirty="0">
+                <a:solidFill>
+                  <a:srgbClr val="000000"/>
+                </a:solidFill>
+                <a:effectLst/>
+                <a:latin typeface="Consolas" panose="020B0609020204030204" pitchFamily="49" charset="0"/>
+              </a:rPr>
+              <a:t>::</a:t>
+            </a:r>
+            <a:r>
+              <a:rPr lang="en-US" altLang="zh-TW" b="0" dirty="0" err="1">
+                <a:solidFill>
+                  <a:srgbClr val="001080"/>
+                </a:solidFill>
+                <a:effectLst/>
+                <a:latin typeface="Consolas" panose="020B0609020204030204" pitchFamily="49" charset="0"/>
+              </a:rPr>
+              <a:t>cout</a:t>
+            </a:r>
+            <a:r>
+              <a:rPr lang="en-US" altLang="zh-TW" b="0" dirty="0">
+                <a:solidFill>
+                  <a:srgbClr val="000000"/>
+                </a:solidFill>
+                <a:effectLst/>
+                <a:latin typeface="Consolas" panose="020B0609020204030204" pitchFamily="49" charset="0"/>
+              </a:rPr>
+              <a:t> </a:t>
+            </a:r>
+            <a:r>
+              <a:rPr lang="en-US" altLang="zh-TW" b="0" dirty="0">
+                <a:solidFill>
+                  <a:srgbClr val="795E26"/>
+                </a:solidFill>
+                <a:effectLst/>
+                <a:latin typeface="Consolas" panose="020B0609020204030204" pitchFamily="49" charset="0"/>
+              </a:rPr>
+              <a:t>&lt;&lt;</a:t>
+            </a:r>
+            <a:r>
+              <a:rPr lang="en-US" altLang="zh-TW" b="0" dirty="0">
+                <a:solidFill>
+                  <a:srgbClr val="000000"/>
+                </a:solidFill>
+                <a:effectLst/>
+                <a:latin typeface="Consolas" panose="020B0609020204030204" pitchFamily="49" charset="0"/>
+              </a:rPr>
+              <a:t> </a:t>
+            </a:r>
+            <a:r>
+              <a:rPr lang="en-US" altLang="zh-TW" b="0" dirty="0">
+                <a:solidFill>
+                  <a:srgbClr val="A31515"/>
+                </a:solidFill>
+                <a:effectLst/>
+                <a:latin typeface="Consolas" panose="020B0609020204030204" pitchFamily="49" charset="0"/>
+              </a:rPr>
+              <a:t>"size: "</a:t>
+            </a:r>
+            <a:r>
+              <a:rPr lang="en-US" altLang="zh-TW" b="0" dirty="0">
+                <a:solidFill>
+                  <a:srgbClr val="000000"/>
+                </a:solidFill>
+                <a:effectLst/>
+                <a:latin typeface="Consolas" panose="020B0609020204030204" pitchFamily="49" charset="0"/>
+              </a:rPr>
+              <a:t> </a:t>
+            </a:r>
+            <a:r>
+              <a:rPr lang="en-US" altLang="zh-TW" b="0" dirty="0">
+                <a:solidFill>
+                  <a:srgbClr val="795E26"/>
+                </a:solidFill>
+                <a:effectLst/>
+                <a:latin typeface="Consolas" panose="020B0609020204030204" pitchFamily="49" charset="0"/>
+              </a:rPr>
+              <a:t>&lt;&lt;</a:t>
+            </a:r>
+            <a:r>
+              <a:rPr lang="en-US" altLang="zh-TW" b="0" dirty="0">
+                <a:solidFill>
+                  <a:srgbClr val="000000"/>
+                </a:solidFill>
+                <a:effectLst/>
+                <a:latin typeface="Consolas" panose="020B0609020204030204" pitchFamily="49" charset="0"/>
+              </a:rPr>
+              <a:t> </a:t>
+            </a:r>
+            <a:r>
+              <a:rPr lang="en-US" altLang="zh-TW" b="0" dirty="0" err="1">
+                <a:solidFill>
+                  <a:srgbClr val="001080"/>
+                </a:solidFill>
+                <a:effectLst/>
+                <a:latin typeface="Consolas" panose="020B0609020204030204" pitchFamily="49" charset="0"/>
+              </a:rPr>
+              <a:t>q</a:t>
+            </a:r>
+            <a:r>
+              <a:rPr lang="en-US" altLang="zh-TW" b="0" dirty="0" err="1">
+                <a:solidFill>
+                  <a:srgbClr val="000000"/>
+                </a:solidFill>
+                <a:effectLst/>
+                <a:latin typeface="Consolas" panose="020B0609020204030204" pitchFamily="49" charset="0"/>
+              </a:rPr>
+              <a:t>.</a:t>
+            </a:r>
+            <a:r>
+              <a:rPr lang="en-US" altLang="zh-TW" b="0" dirty="0" err="1">
+                <a:solidFill>
+                  <a:srgbClr val="795E26"/>
+                </a:solidFill>
+                <a:effectLst/>
+                <a:latin typeface="Consolas" panose="020B0609020204030204" pitchFamily="49" charset="0"/>
+              </a:rPr>
+              <a:t>size</a:t>
+            </a:r>
+            <a:r>
+              <a:rPr lang="en-US" altLang="zh-TW" b="0" dirty="0">
+                <a:solidFill>
+                  <a:srgbClr val="000000"/>
+                </a:solidFill>
+                <a:effectLst/>
+                <a:latin typeface="Consolas" panose="020B0609020204030204" pitchFamily="49" charset="0"/>
+              </a:rPr>
+              <a:t>() </a:t>
+            </a:r>
+            <a:r>
+              <a:rPr lang="en-US" altLang="zh-TW" b="0" dirty="0">
+                <a:solidFill>
+                  <a:srgbClr val="795E26"/>
+                </a:solidFill>
+                <a:effectLst/>
+                <a:latin typeface="Consolas" panose="020B0609020204030204" pitchFamily="49" charset="0"/>
+              </a:rPr>
+              <a:t>&lt;&lt;</a:t>
+            </a:r>
+            <a:r>
+              <a:rPr lang="en-US" altLang="zh-TW" b="0" dirty="0">
+                <a:solidFill>
+                  <a:srgbClr val="000000"/>
+                </a:solidFill>
+                <a:effectLst/>
+                <a:latin typeface="Consolas" panose="020B0609020204030204" pitchFamily="49" charset="0"/>
+              </a:rPr>
+              <a:t> </a:t>
+            </a:r>
+            <a:r>
+              <a:rPr lang="en-US" altLang="zh-TW" b="0" dirty="0">
+                <a:solidFill>
+                  <a:srgbClr val="A31515"/>
+                </a:solidFill>
+                <a:effectLst/>
+                <a:latin typeface="Consolas" panose="020B0609020204030204" pitchFamily="49" charset="0"/>
+              </a:rPr>
+              <a:t>" "</a:t>
+            </a:r>
+            <a:r>
+              <a:rPr lang="en-US" altLang="zh-TW" b="0" dirty="0">
+                <a:solidFill>
+                  <a:srgbClr val="000000"/>
+                </a:solidFill>
+                <a:effectLst/>
+                <a:latin typeface="Consolas" panose="020B0609020204030204" pitchFamily="49" charset="0"/>
+              </a:rPr>
+              <a:t>;</a:t>
+            </a:r>
+          </a:p>
+          <a:p>
+            <a:r>
+              <a:rPr lang="en-US" altLang="zh-TW" b="0" dirty="0">
+                <a:solidFill>
+                  <a:srgbClr val="000000"/>
+                </a:solidFill>
+                <a:effectLst/>
+                <a:latin typeface="Consolas" panose="020B0609020204030204" pitchFamily="49" charset="0"/>
+              </a:rPr>
+              <a:t>    </a:t>
+            </a:r>
+            <a:r>
+              <a:rPr lang="en-US" altLang="zh-TW" b="0" dirty="0">
+                <a:solidFill>
+                  <a:srgbClr val="267F99"/>
+                </a:solidFill>
+                <a:effectLst/>
+                <a:latin typeface="Consolas" panose="020B0609020204030204" pitchFamily="49" charset="0"/>
+              </a:rPr>
+              <a:t>std</a:t>
+            </a:r>
+            <a:r>
+              <a:rPr lang="en-US" altLang="zh-TW" b="0" dirty="0">
+                <a:solidFill>
+                  <a:srgbClr val="000000"/>
+                </a:solidFill>
+                <a:effectLst/>
+                <a:latin typeface="Consolas" panose="020B0609020204030204" pitchFamily="49" charset="0"/>
+              </a:rPr>
+              <a:t>::</a:t>
+            </a:r>
+            <a:r>
+              <a:rPr lang="en-US" altLang="zh-TW" b="0" dirty="0" err="1">
+                <a:solidFill>
+                  <a:srgbClr val="001080"/>
+                </a:solidFill>
+                <a:effectLst/>
+                <a:latin typeface="Consolas" panose="020B0609020204030204" pitchFamily="49" charset="0"/>
+              </a:rPr>
+              <a:t>cout</a:t>
+            </a:r>
+            <a:r>
+              <a:rPr lang="en-US" altLang="zh-TW" b="0" dirty="0">
+                <a:solidFill>
+                  <a:srgbClr val="000000"/>
+                </a:solidFill>
+                <a:effectLst/>
+                <a:latin typeface="Consolas" panose="020B0609020204030204" pitchFamily="49" charset="0"/>
+              </a:rPr>
+              <a:t> </a:t>
+            </a:r>
+            <a:r>
+              <a:rPr lang="en-US" altLang="zh-TW" b="0" dirty="0">
+                <a:solidFill>
+                  <a:srgbClr val="795E26"/>
+                </a:solidFill>
+                <a:effectLst/>
+                <a:latin typeface="Consolas" panose="020B0609020204030204" pitchFamily="49" charset="0"/>
+              </a:rPr>
+              <a:t>&lt;&lt;</a:t>
+            </a:r>
+            <a:r>
+              <a:rPr lang="en-US" altLang="zh-TW" b="0" dirty="0">
+                <a:solidFill>
+                  <a:srgbClr val="000000"/>
+                </a:solidFill>
+                <a:effectLst/>
+                <a:latin typeface="Consolas" panose="020B0609020204030204" pitchFamily="49" charset="0"/>
+              </a:rPr>
+              <a:t> </a:t>
+            </a:r>
+            <a:r>
+              <a:rPr lang="en-US" altLang="zh-TW" b="0" dirty="0">
+                <a:solidFill>
+                  <a:srgbClr val="A31515"/>
+                </a:solidFill>
+                <a:effectLst/>
+                <a:latin typeface="Consolas" panose="020B0609020204030204" pitchFamily="49" charset="0"/>
+              </a:rPr>
+              <a:t>"front: "</a:t>
+            </a:r>
+            <a:r>
+              <a:rPr lang="en-US" altLang="zh-TW" b="0" dirty="0">
+                <a:solidFill>
+                  <a:srgbClr val="000000"/>
+                </a:solidFill>
+                <a:effectLst/>
+                <a:latin typeface="Consolas" panose="020B0609020204030204" pitchFamily="49" charset="0"/>
+              </a:rPr>
+              <a:t> </a:t>
+            </a:r>
+            <a:r>
+              <a:rPr lang="en-US" altLang="zh-TW" b="0" dirty="0">
+                <a:solidFill>
+                  <a:srgbClr val="795E26"/>
+                </a:solidFill>
+                <a:effectLst/>
+                <a:latin typeface="Consolas" panose="020B0609020204030204" pitchFamily="49" charset="0"/>
+              </a:rPr>
+              <a:t>&lt;&lt;</a:t>
+            </a:r>
+            <a:r>
+              <a:rPr lang="en-US" altLang="zh-TW" b="0" dirty="0">
+                <a:solidFill>
+                  <a:srgbClr val="000000"/>
+                </a:solidFill>
+                <a:effectLst/>
+                <a:latin typeface="Consolas" panose="020B0609020204030204" pitchFamily="49" charset="0"/>
+              </a:rPr>
+              <a:t> </a:t>
+            </a:r>
+            <a:r>
+              <a:rPr lang="en-US" altLang="zh-TW" b="0" dirty="0" err="1">
+                <a:solidFill>
+                  <a:srgbClr val="001080"/>
+                </a:solidFill>
+                <a:effectLst/>
+                <a:latin typeface="Consolas" panose="020B0609020204030204" pitchFamily="49" charset="0"/>
+              </a:rPr>
+              <a:t>q</a:t>
+            </a:r>
+            <a:r>
+              <a:rPr lang="en-US" altLang="zh-TW" b="0" dirty="0" err="1">
+                <a:solidFill>
+                  <a:srgbClr val="000000"/>
+                </a:solidFill>
+                <a:effectLst/>
+                <a:latin typeface="Consolas" panose="020B0609020204030204" pitchFamily="49" charset="0"/>
+              </a:rPr>
+              <a:t>.</a:t>
+            </a:r>
+            <a:r>
+              <a:rPr lang="en-US" altLang="zh-TW" b="0" dirty="0" err="1">
+                <a:solidFill>
+                  <a:srgbClr val="795E26"/>
+                </a:solidFill>
+                <a:effectLst/>
+                <a:latin typeface="Consolas" panose="020B0609020204030204" pitchFamily="49" charset="0"/>
+              </a:rPr>
+              <a:t>front</a:t>
+            </a:r>
+            <a:r>
+              <a:rPr lang="en-US" altLang="zh-TW" b="0" dirty="0">
+                <a:solidFill>
+                  <a:srgbClr val="000000"/>
+                </a:solidFill>
+                <a:effectLst/>
+                <a:latin typeface="Consolas" panose="020B0609020204030204" pitchFamily="49" charset="0"/>
+              </a:rPr>
+              <a:t>() </a:t>
+            </a:r>
+            <a:r>
+              <a:rPr lang="en-US" altLang="zh-TW" b="0" dirty="0">
+                <a:solidFill>
+                  <a:srgbClr val="795E26"/>
+                </a:solidFill>
+                <a:effectLst/>
+                <a:latin typeface="Consolas" panose="020B0609020204030204" pitchFamily="49" charset="0"/>
+              </a:rPr>
+              <a:t>&lt;&lt;</a:t>
+            </a:r>
+            <a:r>
+              <a:rPr lang="en-US" altLang="zh-TW" b="0" dirty="0">
+                <a:solidFill>
+                  <a:srgbClr val="000000"/>
+                </a:solidFill>
+                <a:effectLst/>
+                <a:latin typeface="Consolas" panose="020B0609020204030204" pitchFamily="49" charset="0"/>
+              </a:rPr>
+              <a:t> </a:t>
+            </a:r>
+            <a:r>
+              <a:rPr lang="en-US" altLang="zh-TW" b="0" dirty="0">
+                <a:solidFill>
+                  <a:srgbClr val="A31515"/>
+                </a:solidFill>
+                <a:effectLst/>
+                <a:latin typeface="Consolas" panose="020B0609020204030204" pitchFamily="49" charset="0"/>
+              </a:rPr>
+              <a:t>" "</a:t>
+            </a:r>
+            <a:r>
+              <a:rPr lang="en-US" altLang="zh-TW" b="0" dirty="0">
+                <a:solidFill>
+                  <a:srgbClr val="000000"/>
+                </a:solidFill>
+                <a:effectLst/>
+                <a:latin typeface="Consolas" panose="020B0609020204030204" pitchFamily="49" charset="0"/>
+              </a:rPr>
+              <a:t>;</a:t>
+            </a:r>
+          </a:p>
+          <a:p>
+            <a:r>
+              <a:rPr lang="en-US" altLang="zh-TW" b="0" dirty="0">
+                <a:solidFill>
+                  <a:srgbClr val="000000"/>
+                </a:solidFill>
+                <a:effectLst/>
+                <a:latin typeface="Consolas" panose="020B0609020204030204" pitchFamily="49" charset="0"/>
+              </a:rPr>
+              <a:t>    </a:t>
+            </a:r>
+            <a:r>
+              <a:rPr lang="en-US" altLang="zh-TW" b="0" dirty="0">
+                <a:solidFill>
+                  <a:srgbClr val="267F99"/>
+                </a:solidFill>
+                <a:effectLst/>
+                <a:latin typeface="Consolas" panose="020B0609020204030204" pitchFamily="49" charset="0"/>
+              </a:rPr>
+              <a:t>std</a:t>
+            </a:r>
+            <a:r>
+              <a:rPr lang="en-US" altLang="zh-TW" b="0" dirty="0">
+                <a:solidFill>
+                  <a:srgbClr val="000000"/>
+                </a:solidFill>
+                <a:effectLst/>
+                <a:latin typeface="Consolas" panose="020B0609020204030204" pitchFamily="49" charset="0"/>
+              </a:rPr>
+              <a:t>::</a:t>
+            </a:r>
+            <a:r>
+              <a:rPr lang="en-US" altLang="zh-TW" b="0" dirty="0" err="1">
+                <a:solidFill>
+                  <a:srgbClr val="001080"/>
+                </a:solidFill>
+                <a:effectLst/>
+                <a:latin typeface="Consolas" panose="020B0609020204030204" pitchFamily="49" charset="0"/>
+              </a:rPr>
+              <a:t>cout</a:t>
+            </a:r>
+            <a:r>
+              <a:rPr lang="en-US" altLang="zh-TW" b="0" dirty="0">
+                <a:solidFill>
+                  <a:srgbClr val="000000"/>
+                </a:solidFill>
+                <a:effectLst/>
+                <a:latin typeface="Consolas" panose="020B0609020204030204" pitchFamily="49" charset="0"/>
+              </a:rPr>
+              <a:t> </a:t>
+            </a:r>
+            <a:r>
+              <a:rPr lang="en-US" altLang="zh-TW" b="0" dirty="0">
+                <a:solidFill>
+                  <a:srgbClr val="795E26"/>
+                </a:solidFill>
+                <a:effectLst/>
+                <a:latin typeface="Consolas" panose="020B0609020204030204" pitchFamily="49" charset="0"/>
+              </a:rPr>
+              <a:t>&lt;&lt;</a:t>
+            </a:r>
+            <a:r>
+              <a:rPr lang="en-US" altLang="zh-TW" b="0" dirty="0">
+                <a:solidFill>
+                  <a:srgbClr val="000000"/>
+                </a:solidFill>
+                <a:effectLst/>
+                <a:latin typeface="Consolas" panose="020B0609020204030204" pitchFamily="49" charset="0"/>
+              </a:rPr>
+              <a:t> </a:t>
+            </a:r>
+            <a:r>
+              <a:rPr lang="en-US" altLang="zh-TW" b="0" dirty="0">
+                <a:solidFill>
+                  <a:srgbClr val="A31515"/>
+                </a:solidFill>
+                <a:effectLst/>
+                <a:latin typeface="Consolas" panose="020B0609020204030204" pitchFamily="49" charset="0"/>
+              </a:rPr>
+              <a:t>"back: "</a:t>
+            </a:r>
+            <a:r>
+              <a:rPr lang="en-US" altLang="zh-TW" b="0" dirty="0">
+                <a:solidFill>
+                  <a:srgbClr val="000000"/>
+                </a:solidFill>
+                <a:effectLst/>
+                <a:latin typeface="Consolas" panose="020B0609020204030204" pitchFamily="49" charset="0"/>
+              </a:rPr>
+              <a:t>  </a:t>
+            </a:r>
+            <a:r>
+              <a:rPr lang="en-US" altLang="zh-TW" b="0" dirty="0">
+                <a:solidFill>
+                  <a:srgbClr val="795E26"/>
+                </a:solidFill>
+                <a:effectLst/>
+                <a:latin typeface="Consolas" panose="020B0609020204030204" pitchFamily="49" charset="0"/>
+              </a:rPr>
+              <a:t>&lt;&lt;</a:t>
+            </a:r>
+            <a:r>
+              <a:rPr lang="en-US" altLang="zh-TW" b="0" dirty="0">
+                <a:solidFill>
+                  <a:srgbClr val="000000"/>
+                </a:solidFill>
+                <a:effectLst/>
+                <a:latin typeface="Consolas" panose="020B0609020204030204" pitchFamily="49" charset="0"/>
+              </a:rPr>
+              <a:t> </a:t>
+            </a:r>
+            <a:r>
+              <a:rPr lang="en-US" altLang="zh-TW" b="0" dirty="0" err="1">
+                <a:solidFill>
+                  <a:srgbClr val="001080"/>
+                </a:solidFill>
+                <a:effectLst/>
+                <a:latin typeface="Consolas" panose="020B0609020204030204" pitchFamily="49" charset="0"/>
+              </a:rPr>
+              <a:t>q</a:t>
+            </a:r>
+            <a:r>
+              <a:rPr lang="en-US" altLang="zh-TW" b="0" dirty="0" err="1">
+                <a:solidFill>
+                  <a:srgbClr val="000000"/>
+                </a:solidFill>
+                <a:effectLst/>
+                <a:latin typeface="Consolas" panose="020B0609020204030204" pitchFamily="49" charset="0"/>
+              </a:rPr>
+              <a:t>.</a:t>
+            </a:r>
+            <a:r>
+              <a:rPr lang="en-US" altLang="zh-TW" b="0" dirty="0" err="1">
+                <a:solidFill>
+                  <a:srgbClr val="795E26"/>
+                </a:solidFill>
+                <a:effectLst/>
+                <a:latin typeface="Consolas" panose="020B0609020204030204" pitchFamily="49" charset="0"/>
+              </a:rPr>
+              <a:t>back</a:t>
+            </a:r>
+            <a:r>
+              <a:rPr lang="en-US" altLang="zh-TW" b="0" dirty="0">
+                <a:solidFill>
+                  <a:srgbClr val="000000"/>
+                </a:solidFill>
+                <a:effectLst/>
+                <a:latin typeface="Consolas" panose="020B0609020204030204" pitchFamily="49" charset="0"/>
+              </a:rPr>
+              <a:t>() </a:t>
+            </a:r>
+            <a:r>
+              <a:rPr lang="en-US" altLang="zh-TW" b="0" dirty="0">
+                <a:solidFill>
+                  <a:srgbClr val="795E26"/>
+                </a:solidFill>
+                <a:effectLst/>
+                <a:latin typeface="Consolas" panose="020B0609020204030204" pitchFamily="49" charset="0"/>
+              </a:rPr>
+              <a:t>&lt;&lt;</a:t>
+            </a:r>
+            <a:r>
+              <a:rPr lang="en-US" altLang="zh-TW" b="0" dirty="0">
+                <a:solidFill>
+                  <a:srgbClr val="000000"/>
+                </a:solidFill>
+                <a:effectLst/>
+                <a:latin typeface="Consolas" panose="020B0609020204030204" pitchFamily="49" charset="0"/>
+              </a:rPr>
+              <a:t> </a:t>
+            </a:r>
+            <a:r>
+              <a:rPr lang="en-US" altLang="zh-TW" b="0" dirty="0">
+                <a:solidFill>
+                  <a:srgbClr val="A31515"/>
+                </a:solidFill>
+                <a:effectLst/>
+                <a:latin typeface="Consolas" panose="020B0609020204030204" pitchFamily="49" charset="0"/>
+              </a:rPr>
+              <a:t>"</a:t>
+            </a:r>
+            <a:r>
+              <a:rPr lang="en-US" altLang="zh-TW" b="0" dirty="0">
+                <a:solidFill>
+                  <a:srgbClr val="EE0000"/>
+                </a:solidFill>
+                <a:effectLst/>
+                <a:latin typeface="Consolas" panose="020B0609020204030204" pitchFamily="49" charset="0"/>
+              </a:rPr>
+              <a:t>\n</a:t>
+            </a:r>
+            <a:r>
+              <a:rPr lang="en-US" altLang="zh-TW" b="0" dirty="0">
+                <a:solidFill>
+                  <a:srgbClr val="A31515"/>
+                </a:solidFill>
+                <a:effectLst/>
+                <a:latin typeface="Consolas" panose="020B0609020204030204" pitchFamily="49" charset="0"/>
+              </a:rPr>
+              <a:t>"</a:t>
+            </a:r>
+            <a:r>
+              <a:rPr lang="en-US" altLang="zh-TW" b="0" dirty="0">
+                <a:solidFill>
+                  <a:srgbClr val="000000"/>
+                </a:solidFill>
+                <a:effectLst/>
+                <a:latin typeface="Consolas" panose="020B0609020204030204" pitchFamily="49" charset="0"/>
+              </a:rPr>
+              <a:t>;</a:t>
+            </a:r>
+            <a:br>
+              <a:rPr lang="en-US" altLang="zh-TW" b="0" dirty="0">
+                <a:solidFill>
+                  <a:srgbClr val="000000"/>
+                </a:solidFill>
+                <a:effectLst/>
+                <a:latin typeface="Consolas" panose="020B0609020204030204" pitchFamily="49" charset="0"/>
+              </a:rPr>
+            </a:br>
+            <a:r>
+              <a:rPr lang="en-US" altLang="zh-TW" b="0" dirty="0">
+                <a:solidFill>
+                  <a:srgbClr val="000000"/>
+                </a:solidFill>
+                <a:effectLst/>
+                <a:latin typeface="Consolas" panose="020B0609020204030204" pitchFamily="49" charset="0"/>
+              </a:rPr>
+              <a:t>    </a:t>
+            </a:r>
+            <a:r>
+              <a:rPr lang="en-US" altLang="zh-TW" b="0" dirty="0">
+                <a:solidFill>
+                  <a:srgbClr val="AF00DB"/>
+                </a:solidFill>
+                <a:effectLst/>
+                <a:latin typeface="Consolas" panose="020B0609020204030204" pitchFamily="49" charset="0"/>
+              </a:rPr>
+              <a:t>return</a:t>
+            </a:r>
+            <a:r>
+              <a:rPr lang="en-US" altLang="zh-TW" b="0" dirty="0">
+                <a:solidFill>
+                  <a:srgbClr val="000000"/>
+                </a:solidFill>
+                <a:effectLst/>
+                <a:latin typeface="Consolas" panose="020B0609020204030204" pitchFamily="49" charset="0"/>
+              </a:rPr>
+              <a:t> </a:t>
+            </a:r>
+            <a:r>
+              <a:rPr lang="en-US" altLang="zh-TW" b="0" dirty="0">
+                <a:solidFill>
+                  <a:srgbClr val="098658"/>
+                </a:solidFill>
+                <a:effectLst/>
+                <a:latin typeface="Consolas" panose="020B0609020204030204" pitchFamily="49" charset="0"/>
+              </a:rPr>
+              <a:t>0</a:t>
+            </a:r>
+            <a:r>
+              <a:rPr lang="en-US" altLang="zh-TW" b="0" dirty="0">
+                <a:solidFill>
+                  <a:srgbClr val="000000"/>
+                </a:solidFill>
+                <a:effectLst/>
+                <a:latin typeface="Consolas" panose="020B0609020204030204" pitchFamily="49" charset="0"/>
+              </a:rPr>
+              <a:t>;</a:t>
+            </a:r>
+          </a:p>
+          <a:p>
+            <a:r>
+              <a:rPr lang="en-US" altLang="zh-TW" b="0" dirty="0">
+                <a:solidFill>
+                  <a:srgbClr val="000000"/>
+                </a:solidFill>
+                <a:effectLst/>
+                <a:latin typeface="Consolas" panose="020B0609020204030204" pitchFamily="49" charset="0"/>
+              </a:rPr>
+              <a:t>}</a:t>
+            </a:r>
+          </a:p>
+        </p:txBody>
+      </p:sp>
     </p:spTree>
     <p:extLst>
       <p:ext uri="{BB962C8B-B14F-4D97-AF65-F5344CB8AC3E}">
@@ -7348,6 +8471,946 @@
           </a:p>
         </p:txBody>
       </p:sp>
+      <p:sp>
+        <p:nvSpPr>
+          <p:cNvPr id="6" name="TextBox 5">
+            <a:extLst>
+              <a:ext uri="{FF2B5EF4-FFF2-40B4-BE49-F238E27FC236}">
+                <a16:creationId xmlns:a16="http://schemas.microsoft.com/office/drawing/2014/main" id="{DD270C27-F4CB-4AEC-BB7F-08BF6158BB96}"/>
+              </a:ext>
+            </a:extLst>
+          </p:cNvPr>
+          <p:cNvSpPr txBox="1"/>
+          <p:nvPr/>
+        </p:nvSpPr>
+        <p:spPr>
+          <a:xfrm>
+            <a:off x="838200" y="2795349"/>
+            <a:ext cx="6123062" cy="3693319"/>
+          </a:xfrm>
+          <a:prstGeom prst="rect">
+            <a:avLst/>
+          </a:prstGeom>
+          <a:noFill/>
+        </p:spPr>
+        <p:txBody>
+          <a:bodyPr wrap="square">
+            <a:spAutoFit/>
+          </a:bodyPr>
+          <a:lstStyle/>
+          <a:p>
+            <a:r>
+              <a:rPr lang="en-US" altLang="zh-TW" b="0" dirty="0">
+                <a:solidFill>
+                  <a:srgbClr val="AF00DB"/>
+                </a:solidFill>
+                <a:effectLst/>
+                <a:latin typeface="Consolas" panose="020B0609020204030204" pitchFamily="49" charset="0"/>
+              </a:rPr>
+              <a:t>#include</a:t>
+            </a:r>
+            <a:r>
+              <a:rPr lang="en-US" altLang="zh-TW" b="0" dirty="0">
+                <a:solidFill>
+                  <a:srgbClr val="0000FF"/>
+                </a:solidFill>
+                <a:effectLst/>
+                <a:latin typeface="Consolas" panose="020B0609020204030204" pitchFamily="49" charset="0"/>
+              </a:rPr>
+              <a:t> </a:t>
+            </a:r>
+            <a:r>
+              <a:rPr lang="en-US" altLang="zh-TW" b="0" dirty="0">
+                <a:solidFill>
+                  <a:srgbClr val="A31515"/>
+                </a:solidFill>
+                <a:effectLst/>
+                <a:latin typeface="Consolas" panose="020B0609020204030204" pitchFamily="49" charset="0"/>
+              </a:rPr>
+              <a:t>&lt;iostream&gt;</a:t>
+            </a:r>
+            <a:endParaRPr lang="en-US" altLang="zh-TW" b="0" dirty="0">
+              <a:solidFill>
+                <a:srgbClr val="000000"/>
+              </a:solidFill>
+              <a:effectLst/>
+              <a:latin typeface="Consolas" panose="020B0609020204030204" pitchFamily="49" charset="0"/>
+            </a:endParaRPr>
+          </a:p>
+          <a:p>
+            <a:r>
+              <a:rPr lang="en-US" altLang="zh-TW" b="0" dirty="0">
+                <a:solidFill>
+                  <a:srgbClr val="AF00DB"/>
+                </a:solidFill>
+                <a:effectLst/>
+                <a:latin typeface="Consolas" panose="020B0609020204030204" pitchFamily="49" charset="0"/>
+              </a:rPr>
+              <a:t>#include</a:t>
+            </a:r>
+            <a:r>
+              <a:rPr lang="en-US" altLang="zh-TW" b="0" dirty="0">
+                <a:solidFill>
+                  <a:srgbClr val="0000FF"/>
+                </a:solidFill>
+                <a:effectLst/>
+                <a:latin typeface="Consolas" panose="020B0609020204030204" pitchFamily="49" charset="0"/>
+              </a:rPr>
+              <a:t> </a:t>
+            </a:r>
+            <a:r>
+              <a:rPr lang="en-US" altLang="zh-TW" b="0" dirty="0">
+                <a:solidFill>
+                  <a:srgbClr val="A31515"/>
+                </a:solidFill>
+                <a:effectLst/>
+                <a:latin typeface="Consolas" panose="020B0609020204030204" pitchFamily="49" charset="0"/>
+              </a:rPr>
+              <a:t>&lt;stack&gt;</a:t>
+            </a:r>
+            <a:endParaRPr lang="en-US" altLang="zh-TW" b="0" dirty="0">
+              <a:solidFill>
+                <a:srgbClr val="000000"/>
+              </a:solidFill>
+              <a:effectLst/>
+              <a:latin typeface="Consolas" panose="020B0609020204030204" pitchFamily="49" charset="0"/>
+            </a:endParaRPr>
+          </a:p>
+          <a:p>
+            <a:br>
+              <a:rPr lang="en-US" altLang="zh-TW" b="0" dirty="0">
+                <a:solidFill>
+                  <a:srgbClr val="000000"/>
+                </a:solidFill>
+                <a:effectLst/>
+                <a:latin typeface="Consolas" panose="020B0609020204030204" pitchFamily="49" charset="0"/>
+              </a:rPr>
+            </a:br>
+            <a:r>
+              <a:rPr lang="en-US" altLang="zh-TW" b="0" dirty="0">
+                <a:solidFill>
+                  <a:srgbClr val="0000FF"/>
+                </a:solidFill>
+                <a:effectLst/>
+                <a:latin typeface="Consolas" panose="020B0609020204030204" pitchFamily="49" charset="0"/>
+              </a:rPr>
+              <a:t>int</a:t>
+            </a:r>
+            <a:r>
+              <a:rPr lang="en-US" altLang="zh-TW" b="0" dirty="0">
+                <a:solidFill>
+                  <a:srgbClr val="000000"/>
+                </a:solidFill>
+                <a:effectLst/>
+                <a:latin typeface="Consolas" panose="020B0609020204030204" pitchFamily="49" charset="0"/>
+              </a:rPr>
+              <a:t> </a:t>
+            </a:r>
+            <a:r>
+              <a:rPr lang="en-US" altLang="zh-TW" b="0" dirty="0">
+                <a:solidFill>
+                  <a:srgbClr val="795E26"/>
+                </a:solidFill>
+                <a:effectLst/>
+                <a:latin typeface="Consolas" panose="020B0609020204030204" pitchFamily="49" charset="0"/>
+              </a:rPr>
+              <a:t>main</a:t>
+            </a:r>
+            <a:r>
+              <a:rPr lang="en-US" altLang="zh-TW" b="0" dirty="0">
+                <a:solidFill>
+                  <a:srgbClr val="000000"/>
+                </a:solidFill>
+                <a:effectLst/>
+                <a:latin typeface="Consolas" panose="020B0609020204030204" pitchFamily="49" charset="0"/>
+              </a:rPr>
+              <a:t>()</a:t>
+            </a:r>
+          </a:p>
+          <a:p>
+            <a:r>
+              <a:rPr lang="en-US" altLang="zh-TW" b="0" dirty="0">
+                <a:solidFill>
+                  <a:srgbClr val="000000"/>
+                </a:solidFill>
+                <a:effectLst/>
+                <a:latin typeface="Consolas" panose="020B0609020204030204" pitchFamily="49" charset="0"/>
+              </a:rPr>
+              <a:t>{</a:t>
+            </a:r>
+          </a:p>
+          <a:p>
+            <a:r>
+              <a:rPr lang="en-US" altLang="zh-TW" b="0" dirty="0">
+                <a:solidFill>
+                  <a:srgbClr val="000000"/>
+                </a:solidFill>
+                <a:effectLst/>
+                <a:latin typeface="Consolas" panose="020B0609020204030204" pitchFamily="49" charset="0"/>
+              </a:rPr>
+              <a:t>    </a:t>
+            </a:r>
+            <a:r>
+              <a:rPr lang="en-US" altLang="zh-TW" b="0" dirty="0">
+                <a:solidFill>
+                  <a:srgbClr val="267F99"/>
+                </a:solidFill>
+                <a:effectLst/>
+                <a:latin typeface="Consolas" panose="020B0609020204030204" pitchFamily="49" charset="0"/>
+              </a:rPr>
+              <a:t>std</a:t>
+            </a:r>
+            <a:r>
+              <a:rPr lang="en-US" altLang="zh-TW" b="0" dirty="0">
+                <a:solidFill>
+                  <a:srgbClr val="000000"/>
+                </a:solidFill>
+                <a:effectLst/>
+                <a:latin typeface="Consolas" panose="020B0609020204030204" pitchFamily="49" charset="0"/>
+              </a:rPr>
+              <a:t>::</a:t>
+            </a:r>
+            <a:r>
+              <a:rPr lang="en-US" altLang="zh-TW" b="0" dirty="0">
+                <a:solidFill>
+                  <a:srgbClr val="267F99"/>
+                </a:solidFill>
+                <a:effectLst/>
+                <a:latin typeface="Consolas" panose="020B0609020204030204" pitchFamily="49" charset="0"/>
+              </a:rPr>
+              <a:t>stack</a:t>
+            </a:r>
+            <a:r>
+              <a:rPr lang="en-US" altLang="zh-TW" b="0" dirty="0">
+                <a:solidFill>
+                  <a:srgbClr val="000000"/>
+                </a:solidFill>
+                <a:effectLst/>
+                <a:latin typeface="Consolas" panose="020B0609020204030204" pitchFamily="49" charset="0"/>
+              </a:rPr>
+              <a:t>&lt;</a:t>
+            </a:r>
+            <a:r>
+              <a:rPr lang="en-US" altLang="zh-TW" b="0" dirty="0">
+                <a:solidFill>
+                  <a:srgbClr val="0000FF"/>
+                </a:solidFill>
+                <a:effectLst/>
+                <a:latin typeface="Consolas" panose="020B0609020204030204" pitchFamily="49" charset="0"/>
+              </a:rPr>
+              <a:t>int</a:t>
+            </a:r>
+            <a:r>
+              <a:rPr lang="en-US" altLang="zh-TW" b="0" dirty="0">
+                <a:solidFill>
+                  <a:srgbClr val="000000"/>
+                </a:solidFill>
+                <a:effectLst/>
+                <a:latin typeface="Consolas" panose="020B0609020204030204" pitchFamily="49" charset="0"/>
+              </a:rPr>
+              <a:t>&gt; </a:t>
+            </a:r>
+            <a:r>
+              <a:rPr lang="en-US" altLang="zh-TW" b="0" dirty="0">
+                <a:solidFill>
+                  <a:srgbClr val="001080"/>
+                </a:solidFill>
+                <a:effectLst/>
+                <a:latin typeface="Consolas" panose="020B0609020204030204" pitchFamily="49" charset="0"/>
+              </a:rPr>
+              <a:t>s</a:t>
+            </a:r>
+            <a:r>
+              <a:rPr lang="en-US" altLang="zh-TW" b="0" dirty="0">
+                <a:solidFill>
+                  <a:srgbClr val="000000"/>
+                </a:solidFill>
+                <a:effectLst/>
+                <a:latin typeface="Consolas" panose="020B0609020204030204" pitchFamily="49" charset="0"/>
+              </a:rPr>
+              <a:t>;</a:t>
+            </a:r>
+            <a:br>
+              <a:rPr lang="en-US" altLang="zh-TW" b="0" dirty="0">
+                <a:solidFill>
+                  <a:srgbClr val="000000"/>
+                </a:solidFill>
+                <a:effectLst/>
+                <a:latin typeface="Consolas" panose="020B0609020204030204" pitchFamily="49" charset="0"/>
+              </a:rPr>
+            </a:br>
+            <a:r>
+              <a:rPr lang="en-US" altLang="zh-TW" b="0" dirty="0">
+                <a:solidFill>
+                  <a:srgbClr val="000000"/>
+                </a:solidFill>
+                <a:effectLst/>
+                <a:latin typeface="Consolas" panose="020B0609020204030204" pitchFamily="49" charset="0"/>
+              </a:rPr>
+              <a:t>    </a:t>
+            </a:r>
+            <a:r>
+              <a:rPr lang="en-US" altLang="zh-TW" b="0" dirty="0" err="1">
+                <a:solidFill>
+                  <a:srgbClr val="001080"/>
+                </a:solidFill>
+                <a:effectLst/>
+                <a:latin typeface="Consolas" panose="020B0609020204030204" pitchFamily="49" charset="0"/>
+              </a:rPr>
+              <a:t>s</a:t>
+            </a:r>
+            <a:r>
+              <a:rPr lang="en-US" altLang="zh-TW" b="0" dirty="0" err="1">
+                <a:solidFill>
+                  <a:srgbClr val="000000"/>
+                </a:solidFill>
+                <a:effectLst/>
+                <a:latin typeface="Consolas" panose="020B0609020204030204" pitchFamily="49" charset="0"/>
+              </a:rPr>
+              <a:t>.</a:t>
+            </a:r>
+            <a:r>
+              <a:rPr lang="en-US" altLang="zh-TW" b="0" dirty="0" err="1">
+                <a:solidFill>
+                  <a:srgbClr val="795E26"/>
+                </a:solidFill>
+                <a:effectLst/>
+                <a:latin typeface="Consolas" panose="020B0609020204030204" pitchFamily="49" charset="0"/>
+              </a:rPr>
+              <a:t>push</a:t>
+            </a:r>
+            <a:r>
+              <a:rPr lang="en-US" altLang="zh-TW" b="0" dirty="0">
+                <a:solidFill>
+                  <a:srgbClr val="000000"/>
+                </a:solidFill>
+                <a:effectLst/>
+                <a:latin typeface="Consolas" panose="020B0609020204030204" pitchFamily="49" charset="0"/>
+              </a:rPr>
+              <a:t>(</a:t>
+            </a:r>
+            <a:r>
+              <a:rPr lang="en-US" altLang="zh-TW" b="0" dirty="0">
+                <a:solidFill>
+                  <a:srgbClr val="098658"/>
+                </a:solidFill>
+                <a:effectLst/>
+                <a:latin typeface="Consolas" panose="020B0609020204030204" pitchFamily="49" charset="0"/>
+              </a:rPr>
+              <a:t>100</a:t>
+            </a:r>
+            <a:r>
+              <a:rPr lang="en-US" altLang="zh-TW" b="0" dirty="0">
+                <a:solidFill>
+                  <a:srgbClr val="000000"/>
+                </a:solidFill>
+                <a:effectLst/>
+                <a:latin typeface="Consolas" panose="020B0609020204030204" pitchFamily="49" charset="0"/>
+              </a:rPr>
+              <a:t>);</a:t>
+            </a:r>
+          </a:p>
+          <a:p>
+            <a:r>
+              <a:rPr lang="en-US" altLang="zh-TW" b="0" dirty="0">
+                <a:solidFill>
+                  <a:srgbClr val="000000"/>
+                </a:solidFill>
+                <a:effectLst/>
+                <a:latin typeface="Consolas" panose="020B0609020204030204" pitchFamily="49" charset="0"/>
+              </a:rPr>
+              <a:t>    </a:t>
+            </a:r>
+            <a:r>
+              <a:rPr lang="en-US" altLang="zh-TW" b="0" dirty="0" err="1">
+                <a:solidFill>
+                  <a:srgbClr val="001080"/>
+                </a:solidFill>
+                <a:effectLst/>
+                <a:latin typeface="Consolas" panose="020B0609020204030204" pitchFamily="49" charset="0"/>
+              </a:rPr>
+              <a:t>s</a:t>
+            </a:r>
+            <a:r>
+              <a:rPr lang="en-US" altLang="zh-TW" b="0" dirty="0" err="1">
+                <a:solidFill>
+                  <a:srgbClr val="000000"/>
+                </a:solidFill>
+                <a:effectLst/>
+                <a:latin typeface="Consolas" panose="020B0609020204030204" pitchFamily="49" charset="0"/>
+              </a:rPr>
+              <a:t>.</a:t>
+            </a:r>
+            <a:r>
+              <a:rPr lang="en-US" altLang="zh-TW" b="0" dirty="0" err="1">
+                <a:solidFill>
+                  <a:srgbClr val="795E26"/>
+                </a:solidFill>
+                <a:effectLst/>
+                <a:latin typeface="Consolas" panose="020B0609020204030204" pitchFamily="49" charset="0"/>
+              </a:rPr>
+              <a:t>push</a:t>
+            </a:r>
+            <a:r>
+              <a:rPr lang="en-US" altLang="zh-TW" b="0" dirty="0">
+                <a:solidFill>
+                  <a:srgbClr val="000000"/>
+                </a:solidFill>
+                <a:effectLst/>
+                <a:latin typeface="Consolas" panose="020B0609020204030204" pitchFamily="49" charset="0"/>
+              </a:rPr>
+              <a:t>(</a:t>
+            </a:r>
+            <a:r>
+              <a:rPr lang="en-US" altLang="zh-TW" b="0" dirty="0">
+                <a:solidFill>
+                  <a:srgbClr val="098658"/>
+                </a:solidFill>
+                <a:effectLst/>
+                <a:latin typeface="Consolas" panose="020B0609020204030204" pitchFamily="49" charset="0"/>
+              </a:rPr>
+              <a:t>200</a:t>
+            </a:r>
+            <a:r>
+              <a:rPr lang="en-US" altLang="zh-TW" b="0" dirty="0">
+                <a:solidFill>
+                  <a:srgbClr val="000000"/>
+                </a:solidFill>
+                <a:effectLst/>
+                <a:latin typeface="Consolas" panose="020B0609020204030204" pitchFamily="49" charset="0"/>
+              </a:rPr>
+              <a:t>);</a:t>
+            </a:r>
+          </a:p>
+          <a:p>
+            <a:r>
+              <a:rPr lang="en-US" altLang="zh-TW" b="0" dirty="0">
+                <a:solidFill>
+                  <a:srgbClr val="000000"/>
+                </a:solidFill>
+                <a:effectLst/>
+                <a:latin typeface="Consolas" panose="020B0609020204030204" pitchFamily="49" charset="0"/>
+              </a:rPr>
+              <a:t>    </a:t>
+            </a:r>
+            <a:r>
+              <a:rPr lang="en-US" altLang="zh-TW" b="0" dirty="0" err="1">
+                <a:solidFill>
+                  <a:srgbClr val="001080"/>
+                </a:solidFill>
+                <a:effectLst/>
+                <a:latin typeface="Consolas" panose="020B0609020204030204" pitchFamily="49" charset="0"/>
+              </a:rPr>
+              <a:t>s</a:t>
+            </a:r>
+            <a:r>
+              <a:rPr lang="en-US" altLang="zh-TW" b="0" dirty="0" err="1">
+                <a:solidFill>
+                  <a:srgbClr val="000000"/>
+                </a:solidFill>
+                <a:effectLst/>
+                <a:latin typeface="Consolas" panose="020B0609020204030204" pitchFamily="49" charset="0"/>
+              </a:rPr>
+              <a:t>.</a:t>
+            </a:r>
+            <a:r>
+              <a:rPr lang="en-US" altLang="zh-TW" b="0" dirty="0" err="1">
+                <a:solidFill>
+                  <a:srgbClr val="795E26"/>
+                </a:solidFill>
+                <a:effectLst/>
+                <a:latin typeface="Consolas" panose="020B0609020204030204" pitchFamily="49" charset="0"/>
+              </a:rPr>
+              <a:t>pop</a:t>
+            </a:r>
+            <a:r>
+              <a:rPr lang="en-US" altLang="zh-TW" b="0" dirty="0">
+                <a:solidFill>
+                  <a:srgbClr val="000000"/>
+                </a:solidFill>
+                <a:effectLst/>
+                <a:latin typeface="Consolas" panose="020B0609020204030204" pitchFamily="49" charset="0"/>
+              </a:rPr>
+              <a:t>();</a:t>
+            </a:r>
+          </a:p>
+          <a:p>
+            <a:r>
+              <a:rPr lang="en-US" altLang="zh-TW" b="0" dirty="0">
+                <a:solidFill>
+                  <a:srgbClr val="000000"/>
+                </a:solidFill>
+                <a:effectLst/>
+                <a:latin typeface="Consolas" panose="020B0609020204030204" pitchFamily="49" charset="0"/>
+              </a:rPr>
+              <a:t>    </a:t>
+            </a:r>
+            <a:r>
+              <a:rPr lang="en-US" altLang="zh-TW" b="0" dirty="0">
+                <a:solidFill>
+                  <a:srgbClr val="267F99"/>
+                </a:solidFill>
+                <a:effectLst/>
+                <a:latin typeface="Consolas" panose="020B0609020204030204" pitchFamily="49" charset="0"/>
+              </a:rPr>
+              <a:t>std</a:t>
+            </a:r>
+            <a:r>
+              <a:rPr lang="en-US" altLang="zh-TW" b="0" dirty="0">
+                <a:solidFill>
+                  <a:srgbClr val="000000"/>
+                </a:solidFill>
+                <a:effectLst/>
+                <a:latin typeface="Consolas" panose="020B0609020204030204" pitchFamily="49" charset="0"/>
+              </a:rPr>
+              <a:t>::</a:t>
+            </a:r>
+            <a:r>
+              <a:rPr lang="en-US" altLang="zh-TW" b="0" dirty="0" err="1">
+                <a:solidFill>
+                  <a:srgbClr val="001080"/>
+                </a:solidFill>
+                <a:effectLst/>
+                <a:latin typeface="Consolas" panose="020B0609020204030204" pitchFamily="49" charset="0"/>
+              </a:rPr>
+              <a:t>cout</a:t>
+            </a:r>
+            <a:r>
+              <a:rPr lang="en-US" altLang="zh-TW" b="0" dirty="0">
+                <a:solidFill>
+                  <a:srgbClr val="000000"/>
+                </a:solidFill>
+                <a:effectLst/>
+                <a:latin typeface="Consolas" panose="020B0609020204030204" pitchFamily="49" charset="0"/>
+              </a:rPr>
+              <a:t> </a:t>
+            </a:r>
+            <a:r>
+              <a:rPr lang="en-US" altLang="zh-TW" b="0" dirty="0">
+                <a:solidFill>
+                  <a:srgbClr val="795E26"/>
+                </a:solidFill>
+                <a:effectLst/>
+                <a:latin typeface="Consolas" panose="020B0609020204030204" pitchFamily="49" charset="0"/>
+              </a:rPr>
+              <a:t>&lt;&lt;</a:t>
+            </a:r>
+            <a:r>
+              <a:rPr lang="en-US" altLang="zh-TW" b="0" dirty="0">
+                <a:solidFill>
+                  <a:srgbClr val="000000"/>
+                </a:solidFill>
+                <a:effectLst/>
+                <a:latin typeface="Consolas" panose="020B0609020204030204" pitchFamily="49" charset="0"/>
+              </a:rPr>
+              <a:t> </a:t>
+            </a:r>
+            <a:r>
+              <a:rPr lang="en-US" altLang="zh-TW" b="0" dirty="0">
+                <a:solidFill>
+                  <a:srgbClr val="A31515"/>
+                </a:solidFill>
+                <a:effectLst/>
+                <a:latin typeface="Consolas" panose="020B0609020204030204" pitchFamily="49" charset="0"/>
+              </a:rPr>
+              <a:t>"size: "</a:t>
+            </a:r>
+            <a:r>
+              <a:rPr lang="en-US" altLang="zh-TW" b="0" dirty="0">
+                <a:solidFill>
+                  <a:srgbClr val="000000"/>
+                </a:solidFill>
+                <a:effectLst/>
+                <a:latin typeface="Consolas" panose="020B0609020204030204" pitchFamily="49" charset="0"/>
+              </a:rPr>
+              <a:t> </a:t>
+            </a:r>
+            <a:r>
+              <a:rPr lang="en-US" altLang="zh-TW" b="0" dirty="0">
+                <a:solidFill>
+                  <a:srgbClr val="795E26"/>
+                </a:solidFill>
+                <a:effectLst/>
+                <a:latin typeface="Consolas" panose="020B0609020204030204" pitchFamily="49" charset="0"/>
+              </a:rPr>
+              <a:t>&lt;&lt;</a:t>
+            </a:r>
+            <a:r>
+              <a:rPr lang="en-US" altLang="zh-TW" b="0" dirty="0">
+                <a:solidFill>
+                  <a:srgbClr val="000000"/>
+                </a:solidFill>
+                <a:effectLst/>
+                <a:latin typeface="Consolas" panose="020B0609020204030204" pitchFamily="49" charset="0"/>
+              </a:rPr>
+              <a:t> </a:t>
+            </a:r>
+            <a:r>
+              <a:rPr lang="en-US" altLang="zh-TW" b="0" dirty="0" err="1">
+                <a:solidFill>
+                  <a:srgbClr val="001080"/>
+                </a:solidFill>
+                <a:effectLst/>
+                <a:latin typeface="Consolas" panose="020B0609020204030204" pitchFamily="49" charset="0"/>
+              </a:rPr>
+              <a:t>s</a:t>
+            </a:r>
+            <a:r>
+              <a:rPr lang="en-US" altLang="zh-TW" b="0" dirty="0" err="1">
+                <a:solidFill>
+                  <a:srgbClr val="000000"/>
+                </a:solidFill>
+                <a:effectLst/>
+                <a:latin typeface="Consolas" panose="020B0609020204030204" pitchFamily="49" charset="0"/>
+              </a:rPr>
+              <a:t>.</a:t>
+            </a:r>
+            <a:r>
+              <a:rPr lang="en-US" altLang="zh-TW" b="0" dirty="0" err="1">
+                <a:solidFill>
+                  <a:srgbClr val="795E26"/>
+                </a:solidFill>
+                <a:effectLst/>
+                <a:latin typeface="Consolas" panose="020B0609020204030204" pitchFamily="49" charset="0"/>
+              </a:rPr>
+              <a:t>size</a:t>
+            </a:r>
+            <a:r>
+              <a:rPr lang="en-US" altLang="zh-TW" b="0" dirty="0">
+                <a:solidFill>
+                  <a:srgbClr val="000000"/>
+                </a:solidFill>
+                <a:effectLst/>
+                <a:latin typeface="Consolas" panose="020B0609020204030204" pitchFamily="49" charset="0"/>
+              </a:rPr>
+              <a:t>() </a:t>
+            </a:r>
+            <a:r>
+              <a:rPr lang="en-US" altLang="zh-TW" b="0" dirty="0">
+                <a:solidFill>
+                  <a:srgbClr val="795E26"/>
+                </a:solidFill>
+                <a:effectLst/>
+                <a:latin typeface="Consolas" panose="020B0609020204030204" pitchFamily="49" charset="0"/>
+              </a:rPr>
+              <a:t>&lt;&lt;</a:t>
+            </a:r>
+            <a:r>
+              <a:rPr lang="en-US" altLang="zh-TW" b="0" dirty="0">
+                <a:solidFill>
+                  <a:srgbClr val="000000"/>
+                </a:solidFill>
+                <a:effectLst/>
+                <a:latin typeface="Consolas" panose="020B0609020204030204" pitchFamily="49" charset="0"/>
+              </a:rPr>
+              <a:t> </a:t>
+            </a:r>
+            <a:r>
+              <a:rPr lang="en-US" altLang="zh-TW" b="0" dirty="0">
+                <a:solidFill>
+                  <a:srgbClr val="A31515"/>
+                </a:solidFill>
+                <a:effectLst/>
+                <a:latin typeface="Consolas" panose="020B0609020204030204" pitchFamily="49" charset="0"/>
+              </a:rPr>
+              <a:t>" "</a:t>
+            </a:r>
+            <a:r>
+              <a:rPr lang="en-US" altLang="zh-TW" b="0" dirty="0">
+                <a:solidFill>
+                  <a:srgbClr val="000000"/>
+                </a:solidFill>
+                <a:effectLst/>
+                <a:latin typeface="Consolas" panose="020B0609020204030204" pitchFamily="49" charset="0"/>
+              </a:rPr>
+              <a:t>;</a:t>
+            </a:r>
+          </a:p>
+          <a:p>
+            <a:r>
+              <a:rPr lang="en-US" altLang="zh-TW" b="0" dirty="0">
+                <a:solidFill>
+                  <a:srgbClr val="000000"/>
+                </a:solidFill>
+                <a:effectLst/>
+                <a:latin typeface="Consolas" panose="020B0609020204030204" pitchFamily="49" charset="0"/>
+              </a:rPr>
+              <a:t>    </a:t>
+            </a:r>
+            <a:r>
+              <a:rPr lang="en-US" altLang="zh-TW" b="0" dirty="0">
+                <a:solidFill>
+                  <a:srgbClr val="267F99"/>
+                </a:solidFill>
+                <a:effectLst/>
+                <a:latin typeface="Consolas" panose="020B0609020204030204" pitchFamily="49" charset="0"/>
+              </a:rPr>
+              <a:t>std</a:t>
+            </a:r>
+            <a:r>
+              <a:rPr lang="en-US" altLang="zh-TW" b="0" dirty="0">
+                <a:solidFill>
+                  <a:srgbClr val="000000"/>
+                </a:solidFill>
+                <a:effectLst/>
+                <a:latin typeface="Consolas" panose="020B0609020204030204" pitchFamily="49" charset="0"/>
+              </a:rPr>
+              <a:t>::</a:t>
+            </a:r>
+            <a:r>
+              <a:rPr lang="en-US" altLang="zh-TW" b="0" dirty="0" err="1">
+                <a:solidFill>
+                  <a:srgbClr val="001080"/>
+                </a:solidFill>
+                <a:effectLst/>
+                <a:latin typeface="Consolas" panose="020B0609020204030204" pitchFamily="49" charset="0"/>
+              </a:rPr>
+              <a:t>cout</a:t>
+            </a:r>
+            <a:r>
+              <a:rPr lang="en-US" altLang="zh-TW" b="0" dirty="0">
+                <a:solidFill>
+                  <a:srgbClr val="000000"/>
+                </a:solidFill>
+                <a:effectLst/>
+                <a:latin typeface="Consolas" panose="020B0609020204030204" pitchFamily="49" charset="0"/>
+              </a:rPr>
+              <a:t> </a:t>
+            </a:r>
+            <a:r>
+              <a:rPr lang="en-US" altLang="zh-TW" b="0" dirty="0">
+                <a:solidFill>
+                  <a:srgbClr val="795E26"/>
+                </a:solidFill>
+                <a:effectLst/>
+                <a:latin typeface="Consolas" panose="020B0609020204030204" pitchFamily="49" charset="0"/>
+              </a:rPr>
+              <a:t>&lt;&lt;</a:t>
+            </a:r>
+            <a:r>
+              <a:rPr lang="en-US" altLang="zh-TW" b="0" dirty="0">
+                <a:solidFill>
+                  <a:srgbClr val="000000"/>
+                </a:solidFill>
+                <a:effectLst/>
+                <a:latin typeface="Consolas" panose="020B0609020204030204" pitchFamily="49" charset="0"/>
+              </a:rPr>
+              <a:t> </a:t>
+            </a:r>
+            <a:r>
+              <a:rPr lang="en-US" altLang="zh-TW" b="0" dirty="0">
+                <a:solidFill>
+                  <a:srgbClr val="A31515"/>
+                </a:solidFill>
+                <a:effectLst/>
+                <a:latin typeface="Consolas" panose="020B0609020204030204" pitchFamily="49" charset="0"/>
+              </a:rPr>
+              <a:t>"front: "</a:t>
+            </a:r>
+            <a:r>
+              <a:rPr lang="en-US" altLang="zh-TW" b="0" dirty="0">
+                <a:solidFill>
+                  <a:srgbClr val="000000"/>
+                </a:solidFill>
+                <a:effectLst/>
+                <a:latin typeface="Consolas" panose="020B0609020204030204" pitchFamily="49" charset="0"/>
+              </a:rPr>
+              <a:t> </a:t>
+            </a:r>
+            <a:r>
+              <a:rPr lang="en-US" altLang="zh-TW" b="0" dirty="0">
+                <a:solidFill>
+                  <a:srgbClr val="795E26"/>
+                </a:solidFill>
+                <a:effectLst/>
+                <a:latin typeface="Consolas" panose="020B0609020204030204" pitchFamily="49" charset="0"/>
+              </a:rPr>
+              <a:t>&lt;&lt;</a:t>
+            </a:r>
+            <a:r>
+              <a:rPr lang="en-US" altLang="zh-TW" b="0" dirty="0">
+                <a:solidFill>
+                  <a:srgbClr val="000000"/>
+                </a:solidFill>
+                <a:effectLst/>
+                <a:latin typeface="Consolas" panose="020B0609020204030204" pitchFamily="49" charset="0"/>
+              </a:rPr>
+              <a:t> </a:t>
+            </a:r>
+            <a:r>
+              <a:rPr lang="en-US" altLang="zh-TW" b="0" dirty="0" err="1">
+                <a:solidFill>
+                  <a:srgbClr val="001080"/>
+                </a:solidFill>
+                <a:effectLst/>
+                <a:latin typeface="Consolas" panose="020B0609020204030204" pitchFamily="49" charset="0"/>
+              </a:rPr>
+              <a:t>s</a:t>
+            </a:r>
+            <a:r>
+              <a:rPr lang="en-US" altLang="zh-TW" b="0" dirty="0" err="1">
+                <a:solidFill>
+                  <a:srgbClr val="000000"/>
+                </a:solidFill>
+                <a:effectLst/>
+                <a:latin typeface="Consolas" panose="020B0609020204030204" pitchFamily="49" charset="0"/>
+              </a:rPr>
+              <a:t>.</a:t>
+            </a:r>
+            <a:r>
+              <a:rPr lang="en-US" altLang="zh-TW" b="0" dirty="0" err="1">
+                <a:solidFill>
+                  <a:srgbClr val="795E26"/>
+                </a:solidFill>
+                <a:effectLst/>
+                <a:latin typeface="Consolas" panose="020B0609020204030204" pitchFamily="49" charset="0"/>
+              </a:rPr>
+              <a:t>top</a:t>
+            </a:r>
+            <a:r>
+              <a:rPr lang="en-US" altLang="zh-TW" b="0" dirty="0">
+                <a:solidFill>
+                  <a:srgbClr val="000000"/>
+                </a:solidFill>
+                <a:effectLst/>
+                <a:latin typeface="Consolas" panose="020B0609020204030204" pitchFamily="49" charset="0"/>
+              </a:rPr>
+              <a:t>() </a:t>
+            </a:r>
+            <a:r>
+              <a:rPr lang="en-US" altLang="zh-TW" b="0" dirty="0">
+                <a:solidFill>
+                  <a:srgbClr val="795E26"/>
+                </a:solidFill>
+                <a:effectLst/>
+                <a:latin typeface="Consolas" panose="020B0609020204030204" pitchFamily="49" charset="0"/>
+              </a:rPr>
+              <a:t>&lt;&lt;</a:t>
+            </a:r>
+            <a:r>
+              <a:rPr lang="en-US" altLang="zh-TW" b="0" dirty="0">
+                <a:solidFill>
+                  <a:srgbClr val="000000"/>
+                </a:solidFill>
+                <a:effectLst/>
+                <a:latin typeface="Consolas" panose="020B0609020204030204" pitchFamily="49" charset="0"/>
+              </a:rPr>
+              <a:t> </a:t>
+            </a:r>
+            <a:r>
+              <a:rPr lang="en-US" altLang="zh-TW" b="0" dirty="0">
+                <a:solidFill>
+                  <a:srgbClr val="A31515"/>
+                </a:solidFill>
+                <a:effectLst/>
+                <a:latin typeface="Consolas" panose="020B0609020204030204" pitchFamily="49" charset="0"/>
+              </a:rPr>
+              <a:t>"</a:t>
+            </a:r>
+            <a:r>
+              <a:rPr lang="en-US" altLang="zh-TW" b="0" dirty="0">
+                <a:solidFill>
+                  <a:srgbClr val="EE0000"/>
+                </a:solidFill>
+                <a:effectLst/>
+                <a:latin typeface="Consolas" panose="020B0609020204030204" pitchFamily="49" charset="0"/>
+              </a:rPr>
+              <a:t>\n</a:t>
+            </a:r>
+            <a:r>
+              <a:rPr lang="en-US" altLang="zh-TW" b="0" dirty="0">
+                <a:solidFill>
+                  <a:srgbClr val="A31515"/>
+                </a:solidFill>
+                <a:effectLst/>
+                <a:latin typeface="Consolas" panose="020B0609020204030204" pitchFamily="49" charset="0"/>
+              </a:rPr>
+              <a:t>"</a:t>
+            </a:r>
+            <a:r>
+              <a:rPr lang="en-US" altLang="zh-TW" b="0" dirty="0">
+                <a:solidFill>
+                  <a:srgbClr val="000000"/>
+                </a:solidFill>
+                <a:effectLst/>
+                <a:latin typeface="Consolas" panose="020B0609020204030204" pitchFamily="49" charset="0"/>
+              </a:rPr>
+              <a:t>;</a:t>
+            </a:r>
+            <a:br>
+              <a:rPr lang="en-US" altLang="zh-TW" b="0" dirty="0">
+                <a:solidFill>
+                  <a:srgbClr val="000000"/>
+                </a:solidFill>
+                <a:effectLst/>
+                <a:latin typeface="Consolas" panose="020B0609020204030204" pitchFamily="49" charset="0"/>
+              </a:rPr>
+            </a:br>
+            <a:r>
+              <a:rPr lang="en-US" altLang="zh-TW" b="0" dirty="0">
+                <a:solidFill>
+                  <a:srgbClr val="000000"/>
+                </a:solidFill>
+                <a:effectLst/>
+                <a:latin typeface="Consolas" panose="020B0609020204030204" pitchFamily="49" charset="0"/>
+              </a:rPr>
+              <a:t>    </a:t>
+            </a:r>
+            <a:r>
+              <a:rPr lang="en-US" altLang="zh-TW" b="0" dirty="0">
+                <a:solidFill>
+                  <a:srgbClr val="AF00DB"/>
+                </a:solidFill>
+                <a:effectLst/>
+                <a:latin typeface="Consolas" panose="020B0609020204030204" pitchFamily="49" charset="0"/>
+              </a:rPr>
+              <a:t>return</a:t>
+            </a:r>
+            <a:r>
+              <a:rPr lang="en-US" altLang="zh-TW" b="0" dirty="0">
+                <a:solidFill>
+                  <a:srgbClr val="000000"/>
+                </a:solidFill>
+                <a:effectLst/>
+                <a:latin typeface="Consolas" panose="020B0609020204030204" pitchFamily="49" charset="0"/>
+              </a:rPr>
+              <a:t> </a:t>
+            </a:r>
+            <a:r>
+              <a:rPr lang="en-US" altLang="zh-TW" b="0" dirty="0">
+                <a:solidFill>
+                  <a:srgbClr val="098658"/>
+                </a:solidFill>
+                <a:effectLst/>
+                <a:latin typeface="Consolas" panose="020B0609020204030204" pitchFamily="49" charset="0"/>
+              </a:rPr>
+              <a:t>0</a:t>
+            </a:r>
+            <a:r>
+              <a:rPr lang="en-US" altLang="zh-TW" b="0" dirty="0">
+                <a:solidFill>
+                  <a:srgbClr val="000000"/>
+                </a:solidFill>
+                <a:effectLst/>
+                <a:latin typeface="Consolas" panose="020B0609020204030204" pitchFamily="49" charset="0"/>
+              </a:rPr>
+              <a:t>;</a:t>
+            </a:r>
+          </a:p>
+          <a:p>
+            <a:r>
+              <a:rPr lang="en-US" altLang="zh-TW" b="0" dirty="0">
+                <a:solidFill>
+                  <a:srgbClr val="000000"/>
+                </a:solidFill>
+                <a:effectLst/>
+                <a:latin typeface="Consolas" panose="020B0609020204030204" pitchFamily="49" charset="0"/>
+              </a:rPr>
+              <a:t>}</a:t>
+            </a:r>
+          </a:p>
+        </p:txBody>
+      </p:sp>
     </p:spTree>
     <p:extLst>
       <p:ext uri="{BB962C8B-B14F-4D97-AF65-F5344CB8AC3E}">
@@ -7942,7 +10005,7 @@
           <p:nvPr>
             <p:extLst>
               <p:ext uri="{D42A27DB-BD31-4B8C-83A1-F6EECF244321}">
-                <p14:modId xmlns:p14="http://schemas.microsoft.com/office/powerpoint/2010/main" val="3015051893"/>
+                <p14:modId xmlns:p14="http://schemas.microsoft.com/office/powerpoint/2010/main" val="177579258"/>
               </p:ext>
             </p:extLst>
           </p:nvPr>
@@ -8507,7 +10570,7 @@
                       <a:pPr algn="ctr"/>
                       <a:r>
                         <a:rPr lang="en-US" altLang="zh-TW" dirty="0"/>
-                        <a:t>0</a:t>
+                        <a:t>1</a:t>
                       </a:r>
                       <a:endParaRPr lang="zh-TW" altLang="en-US" dirty="0"/>
                     </a:p>
